--- a/docs/InpaintingFundamentalsFigures.pptx
+++ b/docs/InpaintingFundamentalsFigures.pptx
@@ -3321,6 +3321,2122 @@
           <a:chExt cx="0" cy="0"/>
         </a:xfrm>
       </p:grpSpPr>
+      <p:grpSp>
+        <p:nvGrpSpPr>
+          <p:cNvPr id="9" name="Group 8">
+            <a:extLst>
+              <a:ext uri="{FF2B5EF4-FFF2-40B4-BE49-F238E27FC236}">
+                <a16:creationId xmlns:a16="http://schemas.microsoft.com/office/drawing/2014/main" id="{1BABE139-947D-A7C1-B643-659F54705177}"/>
+              </a:ext>
+            </a:extLst>
+          </p:cNvPr>
+          <p:cNvGrpSpPr/>
+          <p:nvPr/>
+        </p:nvGrpSpPr>
+        <p:grpSpPr>
+          <a:xfrm>
+            <a:off x="2395039" y="1786715"/>
+            <a:ext cx="2735548" cy="2383561"/>
+            <a:chOff x="2395039" y="1786715"/>
+            <a:chExt cx="2735548" cy="2383561"/>
+          </a:xfrm>
+        </p:grpSpPr>
+        <p:sp>
+          <p:nvSpPr>
+            <p:cNvPr id="4" name="Freeform 3">
+              <a:extLst>
+                <a:ext uri="{FF2B5EF4-FFF2-40B4-BE49-F238E27FC236}">
+                  <a16:creationId xmlns:a16="http://schemas.microsoft.com/office/drawing/2014/main" id="{EF28B68F-CF7E-E055-04DA-C59379949975}"/>
+                </a:ext>
+              </a:extLst>
+            </p:cNvPr>
+            <p:cNvSpPr/>
+            <p:nvPr/>
+          </p:nvSpPr>
+          <p:spPr>
+            <a:xfrm>
+              <a:off x="3163614" y="2111920"/>
+              <a:ext cx="1339519" cy="1797928"/>
+            </a:xfrm>
+            <a:custGeom>
+              <a:avLst/>
+              <a:gdLst>
+                <a:gd name="connsiteX0" fmla="*/ 630620 w 1807779"/>
+                <a:gd name="connsiteY0" fmla="*/ 105104 h 2406869"/>
+                <a:gd name="connsiteX1" fmla="*/ 630620 w 1807779"/>
+                <a:gd name="connsiteY1" fmla="*/ 105104 h 2406869"/>
+                <a:gd name="connsiteX2" fmla="*/ 557048 w 1807779"/>
+                <a:gd name="connsiteY2" fmla="*/ 241738 h 2406869"/>
+                <a:gd name="connsiteX3" fmla="*/ 515007 w 1807779"/>
+                <a:gd name="connsiteY3" fmla="*/ 304800 h 2406869"/>
+                <a:gd name="connsiteX4" fmla="*/ 493986 w 1807779"/>
+                <a:gd name="connsiteY4" fmla="*/ 346842 h 2406869"/>
+                <a:gd name="connsiteX5" fmla="*/ 462455 w 1807779"/>
+                <a:gd name="connsiteY5" fmla="*/ 388883 h 2406869"/>
+                <a:gd name="connsiteX6" fmla="*/ 420414 w 1807779"/>
+                <a:gd name="connsiteY6" fmla="*/ 451945 h 2406869"/>
+                <a:gd name="connsiteX7" fmla="*/ 325820 w 1807779"/>
+                <a:gd name="connsiteY7" fmla="*/ 557049 h 2406869"/>
+                <a:gd name="connsiteX8" fmla="*/ 273269 w 1807779"/>
+                <a:gd name="connsiteY8" fmla="*/ 620111 h 2406869"/>
+                <a:gd name="connsiteX9" fmla="*/ 262758 w 1807779"/>
+                <a:gd name="connsiteY9" fmla="*/ 651642 h 2406869"/>
+                <a:gd name="connsiteX10" fmla="*/ 273269 w 1807779"/>
+                <a:gd name="connsiteY10" fmla="*/ 746235 h 2406869"/>
+                <a:gd name="connsiteX11" fmla="*/ 294289 w 1807779"/>
+                <a:gd name="connsiteY11" fmla="*/ 777766 h 2406869"/>
+                <a:gd name="connsiteX12" fmla="*/ 304800 w 1807779"/>
+                <a:gd name="connsiteY12" fmla="*/ 830318 h 2406869"/>
+                <a:gd name="connsiteX13" fmla="*/ 493986 w 1807779"/>
+                <a:gd name="connsiteY13" fmla="*/ 1313793 h 2406869"/>
+                <a:gd name="connsiteX14" fmla="*/ 378372 w 1807779"/>
+                <a:gd name="connsiteY14" fmla="*/ 1587062 h 2406869"/>
+                <a:gd name="connsiteX15" fmla="*/ 52552 w 1807779"/>
+                <a:gd name="connsiteY15" fmla="*/ 1849821 h 2406869"/>
+                <a:gd name="connsiteX16" fmla="*/ 0 w 1807779"/>
+                <a:gd name="connsiteY16" fmla="*/ 2007476 h 2406869"/>
+                <a:gd name="connsiteX17" fmla="*/ 52552 w 1807779"/>
+                <a:gd name="connsiteY17" fmla="*/ 2354318 h 2406869"/>
+                <a:gd name="connsiteX18" fmla="*/ 346841 w 1807779"/>
+                <a:gd name="connsiteY18" fmla="*/ 2406869 h 2406869"/>
+                <a:gd name="connsiteX19" fmla="*/ 525517 w 1807779"/>
+                <a:gd name="connsiteY19" fmla="*/ 2280745 h 2406869"/>
+                <a:gd name="connsiteX20" fmla="*/ 735724 w 1807779"/>
+                <a:gd name="connsiteY20" fmla="*/ 2102069 h 2406869"/>
+                <a:gd name="connsiteX21" fmla="*/ 966952 w 1807779"/>
+                <a:gd name="connsiteY21" fmla="*/ 2017987 h 2406869"/>
+                <a:gd name="connsiteX22" fmla="*/ 1208689 w 1807779"/>
+                <a:gd name="connsiteY22" fmla="*/ 2081049 h 2406869"/>
+                <a:gd name="connsiteX23" fmla="*/ 1460938 w 1807779"/>
+                <a:gd name="connsiteY23" fmla="*/ 2102069 h 2406869"/>
+                <a:gd name="connsiteX24" fmla="*/ 1639614 w 1807779"/>
+                <a:gd name="connsiteY24" fmla="*/ 1986455 h 2406869"/>
+                <a:gd name="connsiteX25" fmla="*/ 1807779 w 1807779"/>
+                <a:gd name="connsiteY25" fmla="*/ 1744718 h 2406869"/>
+                <a:gd name="connsiteX26" fmla="*/ 1671145 w 1807779"/>
+                <a:gd name="connsiteY26" fmla="*/ 1576552 h 2406869"/>
+                <a:gd name="connsiteX27" fmla="*/ 1429407 w 1807779"/>
+                <a:gd name="connsiteY27" fmla="*/ 1387366 h 2406869"/>
+                <a:gd name="connsiteX28" fmla="*/ 1481958 w 1807779"/>
+                <a:gd name="connsiteY28" fmla="*/ 1198180 h 2406869"/>
+                <a:gd name="connsiteX29" fmla="*/ 1566041 w 1807779"/>
+                <a:gd name="connsiteY29" fmla="*/ 1072055 h 2406869"/>
+                <a:gd name="connsiteX30" fmla="*/ 1566041 w 1807779"/>
+                <a:gd name="connsiteY30" fmla="*/ 882869 h 2406869"/>
+                <a:gd name="connsiteX31" fmla="*/ 1418896 w 1807779"/>
+                <a:gd name="connsiteY31" fmla="*/ 504497 h 2406869"/>
+                <a:gd name="connsiteX32" fmla="*/ 1439917 w 1807779"/>
+                <a:gd name="connsiteY32" fmla="*/ 136635 h 2406869"/>
+                <a:gd name="connsiteX33" fmla="*/ 1271752 w 1807779"/>
+                <a:gd name="connsiteY33" fmla="*/ 94593 h 2406869"/>
+                <a:gd name="connsiteX34" fmla="*/ 1019503 w 1807779"/>
+                <a:gd name="connsiteY34" fmla="*/ 0 h 2406869"/>
+                <a:gd name="connsiteX35" fmla="*/ 777765 w 1807779"/>
+                <a:gd name="connsiteY35" fmla="*/ 21021 h 2406869"/>
+                <a:gd name="connsiteX36" fmla="*/ 630620 w 1807779"/>
+                <a:gd name="connsiteY36" fmla="*/ 105104 h 2406869"/>
+              </a:gdLst>
+              <a:ahLst/>
+              <a:cxnLst>
+                <a:cxn ang="0">
+                  <a:pos x="connsiteX0" y="connsiteY0"/>
+                </a:cxn>
+                <a:cxn ang="0">
+                  <a:pos x="connsiteX1" y="connsiteY1"/>
+                </a:cxn>
+                <a:cxn ang="0">
+                  <a:pos x="connsiteX2" y="connsiteY2"/>
+                </a:cxn>
+                <a:cxn ang="0">
+                  <a:pos x="connsiteX3" y="connsiteY3"/>
+                </a:cxn>
+                <a:cxn ang="0">
+                  <a:pos x="connsiteX4" y="connsiteY4"/>
+                </a:cxn>
+                <a:cxn ang="0">
+                  <a:pos x="connsiteX5" y="connsiteY5"/>
+                </a:cxn>
+                <a:cxn ang="0">
+                  <a:pos x="connsiteX6" y="connsiteY6"/>
+                </a:cxn>
+                <a:cxn ang="0">
+                  <a:pos x="connsiteX7" y="connsiteY7"/>
+                </a:cxn>
+                <a:cxn ang="0">
+                  <a:pos x="connsiteX8" y="connsiteY8"/>
+                </a:cxn>
+                <a:cxn ang="0">
+                  <a:pos x="connsiteX9" y="connsiteY9"/>
+                </a:cxn>
+                <a:cxn ang="0">
+                  <a:pos x="connsiteX10" y="connsiteY10"/>
+                </a:cxn>
+                <a:cxn ang="0">
+                  <a:pos x="connsiteX11" y="connsiteY11"/>
+                </a:cxn>
+                <a:cxn ang="0">
+                  <a:pos x="connsiteX12" y="connsiteY12"/>
+                </a:cxn>
+                <a:cxn ang="0">
+                  <a:pos x="connsiteX13" y="connsiteY13"/>
+                </a:cxn>
+                <a:cxn ang="0">
+                  <a:pos x="connsiteX14" y="connsiteY14"/>
+                </a:cxn>
+                <a:cxn ang="0">
+                  <a:pos x="connsiteX15" y="connsiteY15"/>
+                </a:cxn>
+                <a:cxn ang="0">
+                  <a:pos x="connsiteX16" y="connsiteY16"/>
+                </a:cxn>
+                <a:cxn ang="0">
+                  <a:pos x="connsiteX17" y="connsiteY17"/>
+                </a:cxn>
+                <a:cxn ang="0">
+                  <a:pos x="connsiteX18" y="connsiteY18"/>
+                </a:cxn>
+                <a:cxn ang="0">
+                  <a:pos x="connsiteX19" y="connsiteY19"/>
+                </a:cxn>
+                <a:cxn ang="0">
+                  <a:pos x="connsiteX20" y="connsiteY20"/>
+                </a:cxn>
+                <a:cxn ang="0">
+                  <a:pos x="connsiteX21" y="connsiteY21"/>
+                </a:cxn>
+                <a:cxn ang="0">
+                  <a:pos x="connsiteX22" y="connsiteY22"/>
+                </a:cxn>
+                <a:cxn ang="0">
+                  <a:pos x="connsiteX23" y="connsiteY23"/>
+                </a:cxn>
+                <a:cxn ang="0">
+                  <a:pos x="connsiteX24" y="connsiteY24"/>
+                </a:cxn>
+                <a:cxn ang="0">
+                  <a:pos x="connsiteX25" y="connsiteY25"/>
+                </a:cxn>
+                <a:cxn ang="0">
+                  <a:pos x="connsiteX26" y="connsiteY26"/>
+                </a:cxn>
+                <a:cxn ang="0">
+                  <a:pos x="connsiteX27" y="connsiteY27"/>
+                </a:cxn>
+                <a:cxn ang="0">
+                  <a:pos x="connsiteX28" y="connsiteY28"/>
+                </a:cxn>
+                <a:cxn ang="0">
+                  <a:pos x="connsiteX29" y="connsiteY29"/>
+                </a:cxn>
+                <a:cxn ang="0">
+                  <a:pos x="connsiteX30" y="connsiteY30"/>
+                </a:cxn>
+                <a:cxn ang="0">
+                  <a:pos x="connsiteX31" y="connsiteY31"/>
+                </a:cxn>
+                <a:cxn ang="0">
+                  <a:pos x="connsiteX32" y="connsiteY32"/>
+                </a:cxn>
+                <a:cxn ang="0">
+                  <a:pos x="connsiteX33" y="connsiteY33"/>
+                </a:cxn>
+                <a:cxn ang="0">
+                  <a:pos x="connsiteX34" y="connsiteY34"/>
+                </a:cxn>
+                <a:cxn ang="0">
+                  <a:pos x="connsiteX35" y="connsiteY35"/>
+                </a:cxn>
+                <a:cxn ang="0">
+                  <a:pos x="connsiteX36" y="connsiteY36"/>
+                </a:cxn>
+              </a:cxnLst>
+              <a:rect l="l" t="t" r="r" b="b"/>
+              <a:pathLst>
+                <a:path w="1807779" h="2406869">
+                  <a:moveTo>
+                    <a:pt x="630620" y="105104"/>
+                  </a:moveTo>
+                  <a:lnTo>
+                    <a:pt x="630620" y="105104"/>
+                  </a:lnTo>
+                  <a:cubicBezTo>
+                    <a:pt x="606096" y="150649"/>
+                    <a:pt x="582965" y="196972"/>
+                    <a:pt x="557048" y="241738"/>
+                  </a:cubicBezTo>
+                  <a:cubicBezTo>
+                    <a:pt x="544390" y="263602"/>
+                    <a:pt x="528005" y="283137"/>
+                    <a:pt x="515007" y="304800"/>
+                  </a:cubicBezTo>
+                  <a:cubicBezTo>
+                    <a:pt x="506946" y="318235"/>
+                    <a:pt x="502290" y="333555"/>
+                    <a:pt x="493986" y="346842"/>
+                  </a:cubicBezTo>
+                  <a:cubicBezTo>
+                    <a:pt x="484702" y="361696"/>
+                    <a:pt x="472500" y="374532"/>
+                    <a:pt x="462455" y="388883"/>
+                  </a:cubicBezTo>
+                  <a:cubicBezTo>
+                    <a:pt x="447967" y="409580"/>
+                    <a:pt x="434902" y="431248"/>
+                    <a:pt x="420414" y="451945"/>
+                  </a:cubicBezTo>
+                  <a:cubicBezTo>
+                    <a:pt x="382015" y="506801"/>
+                    <a:pt x="382655" y="500214"/>
+                    <a:pt x="325820" y="557049"/>
+                  </a:cubicBezTo>
+                  <a:cubicBezTo>
+                    <a:pt x="302574" y="580295"/>
+                    <a:pt x="287903" y="590844"/>
+                    <a:pt x="273269" y="620111"/>
+                  </a:cubicBezTo>
+                  <a:cubicBezTo>
+                    <a:pt x="268314" y="630020"/>
+                    <a:pt x="266262" y="641132"/>
+                    <a:pt x="262758" y="651642"/>
+                  </a:cubicBezTo>
+                  <a:cubicBezTo>
+                    <a:pt x="266262" y="683173"/>
+                    <a:pt x="265575" y="715457"/>
+                    <a:pt x="273269" y="746235"/>
+                  </a:cubicBezTo>
+                  <a:cubicBezTo>
+                    <a:pt x="276333" y="758490"/>
+                    <a:pt x="288640" y="766468"/>
+                    <a:pt x="294289" y="777766"/>
+                  </a:cubicBezTo>
+                  <a:cubicBezTo>
+                    <a:pt x="307016" y="803220"/>
+                    <a:pt x="304800" y="806266"/>
+                    <a:pt x="304800" y="830318"/>
+                  </a:cubicBezTo>
+                  <a:lnTo>
+                    <a:pt x="493986" y="1313793"/>
+                  </a:lnTo>
+                  <a:lnTo>
+                    <a:pt x="378372" y="1587062"/>
+                  </a:lnTo>
+                  <a:lnTo>
+                    <a:pt x="52552" y="1849821"/>
+                  </a:lnTo>
+                  <a:lnTo>
+                    <a:pt x="0" y="2007476"/>
+                  </a:lnTo>
+                  <a:lnTo>
+                    <a:pt x="52552" y="2354318"/>
+                  </a:lnTo>
+                  <a:lnTo>
+                    <a:pt x="346841" y="2406869"/>
+                  </a:lnTo>
+                  <a:lnTo>
+                    <a:pt x="525517" y="2280745"/>
+                  </a:lnTo>
+                  <a:lnTo>
+                    <a:pt x="735724" y="2102069"/>
+                  </a:lnTo>
+                  <a:lnTo>
+                    <a:pt x="966952" y="2017987"/>
+                  </a:lnTo>
+                  <a:lnTo>
+                    <a:pt x="1208689" y="2081049"/>
+                  </a:lnTo>
+                  <a:lnTo>
+                    <a:pt x="1460938" y="2102069"/>
+                  </a:lnTo>
+                  <a:lnTo>
+                    <a:pt x="1639614" y="1986455"/>
+                  </a:lnTo>
+                  <a:lnTo>
+                    <a:pt x="1807779" y="1744718"/>
+                  </a:lnTo>
+                  <a:lnTo>
+                    <a:pt x="1671145" y="1576552"/>
+                  </a:lnTo>
+                  <a:lnTo>
+                    <a:pt x="1429407" y="1387366"/>
+                  </a:lnTo>
+                  <a:lnTo>
+                    <a:pt x="1481958" y="1198180"/>
+                  </a:lnTo>
+                  <a:lnTo>
+                    <a:pt x="1566041" y="1072055"/>
+                  </a:lnTo>
+                  <a:lnTo>
+                    <a:pt x="1566041" y="882869"/>
+                  </a:lnTo>
+                  <a:lnTo>
+                    <a:pt x="1418896" y="504497"/>
+                  </a:lnTo>
+                  <a:lnTo>
+                    <a:pt x="1439917" y="136635"/>
+                  </a:lnTo>
+                  <a:lnTo>
+                    <a:pt x="1271752" y="94593"/>
+                  </a:lnTo>
+                  <a:lnTo>
+                    <a:pt x="1019503" y="0"/>
+                  </a:lnTo>
+                  <a:lnTo>
+                    <a:pt x="777765" y="21021"/>
+                  </a:lnTo>
+                  <a:lnTo>
+                    <a:pt x="630620" y="105104"/>
+                  </a:lnTo>
+                  <a:close/>
+                </a:path>
+              </a:pathLst>
+            </a:custGeom>
+            <a:solidFill>
+              <a:schemeClr val="accent1">
+                <a:alpha val="13909"/>
+              </a:schemeClr>
+            </a:solidFill>
+          </p:spPr>
+          <p:style>
+            <a:lnRef idx="2">
+              <a:schemeClr val="accent1">
+                <a:shade val="15000"/>
+              </a:schemeClr>
+            </a:lnRef>
+            <a:fillRef idx="1">
+              <a:schemeClr val="accent1"/>
+            </a:fillRef>
+            <a:effectRef idx="0">
+              <a:schemeClr val="accent1"/>
+            </a:effectRef>
+            <a:fontRef idx="minor">
+              <a:schemeClr val="lt1"/>
+            </a:fontRef>
+          </p:style>
+          <p:txBody>
+            <a:bodyPr rtlCol="0" anchor="ctr"/>
+            <a:lstStyle/>
+            <a:p>
+              <a:pPr algn="ctr"/>
+              <a:endParaRPr lang="en-US"/>
+            </a:p>
+          </p:txBody>
+        </p:sp>
+        <mc:AlternateContent xmlns:mc="http://schemas.openxmlformats.org/markup-compatibility/2006">
+          <mc:Choice xmlns:a14="http://schemas.microsoft.com/office/drawing/2010/main" Requires="a14">
+            <p:sp>
+              <p:nvSpPr>
+                <p:cNvPr id="5" name="TextBox 4">
+                  <a:extLst>
+                    <a:ext uri="{FF2B5EF4-FFF2-40B4-BE49-F238E27FC236}">
+                      <a16:creationId xmlns:a16="http://schemas.microsoft.com/office/drawing/2014/main" id="{73628BEF-F072-408D-3BB2-86E260290770}"/>
+                    </a:ext>
+                  </a:extLst>
+                </p:cNvPr>
+                <p:cNvSpPr txBox="1"/>
+                <p:nvPr/>
+              </p:nvSpPr>
+              <p:spPr>
+                <a:xfrm>
+                  <a:off x="3646122" y="2383561"/>
+                  <a:ext cx="302262" cy="246221"/>
+                </a:xfrm>
+                <a:prstGeom prst="rect">
+                  <a:avLst/>
+                </a:prstGeom>
+                <a:noFill/>
+              </p:spPr>
+              <p:txBody>
+                <a:bodyPr wrap="none" rtlCol="0">
+                  <a:spAutoFit/>
+                </a:bodyPr>
+                <a:lstStyle/>
+                <a:p>
+                  <a14:m>
+                    <m:oMathPara xmlns:m="http://schemas.openxmlformats.org/officeDocument/2006/math">
+                      <m:oMathParaPr>
+                        <m:jc m:val="centerGroup"/>
+                      </m:oMathParaPr>
+                      <m:oMath xmlns:m="http://schemas.openxmlformats.org/officeDocument/2006/math">
+                        <m:r>
+                          <a:rPr lang="en-US" sz="1000" i="1" dirty="0" smtClean="0">
+                            <a:latin typeface="Cambria Math" panose="02040503050406030204" pitchFamily="18" charset="0"/>
+                          </a:rPr>
+                          <m:t>𝐷</m:t>
+                        </m:r>
+                      </m:oMath>
+                    </m:oMathPara>
+                  </a14:m>
+                  <a:endParaRPr lang="en-US" sz="1000" dirty="0"/>
+                </a:p>
+              </p:txBody>
+            </p:sp>
+          </mc:Choice>
+          <mc:Fallback>
+            <p:sp>
+              <p:nvSpPr>
+                <p:cNvPr id="5" name="TextBox 4">
+                  <a:extLst>
+                    <a:ext uri="{FF2B5EF4-FFF2-40B4-BE49-F238E27FC236}">
+                      <a16:creationId xmlns:a16="http://schemas.microsoft.com/office/drawing/2014/main" id="{73628BEF-F072-408D-3BB2-86E260290770}"/>
+                    </a:ext>
+                  </a:extLst>
+                </p:cNvPr>
+                <p:cNvSpPr txBox="1">
+                  <a:spLocks noRot="1" noChangeAspect="1" noMove="1" noResize="1" noEditPoints="1" noAdjustHandles="1" noChangeArrowheads="1" noChangeShapeType="1" noTextEdit="1"/>
+                </p:cNvSpPr>
+                <p:nvPr/>
+              </p:nvSpPr>
+              <p:spPr>
+                <a:xfrm>
+                  <a:off x="3646122" y="2383561"/>
+                  <a:ext cx="302262" cy="246221"/>
+                </a:xfrm>
+                <a:prstGeom prst="rect">
+                  <a:avLst/>
+                </a:prstGeom>
+                <a:blipFill>
+                  <a:blip r:embed="rId2"/>
+                  <a:stretch>
+                    <a:fillRect/>
+                  </a:stretch>
+                </a:blipFill>
+              </p:spPr>
+              <p:txBody>
+                <a:bodyPr/>
+                <a:lstStyle/>
+                <a:p>
+                  <a:r>
+                    <a:rPr lang="en-US">
+                      <a:noFill/>
+                    </a:rPr>
+                    <a:t> </a:t>
+                  </a:r>
+                </a:p>
+              </p:txBody>
+            </p:sp>
+          </mc:Fallback>
+        </mc:AlternateContent>
+        <p:sp>
+          <p:nvSpPr>
+            <p:cNvPr id="6" name="TextBox 5">
+              <a:extLst>
+                <a:ext uri="{FF2B5EF4-FFF2-40B4-BE49-F238E27FC236}">
+                  <a16:creationId xmlns:a16="http://schemas.microsoft.com/office/drawing/2014/main" id="{C180FD2A-F556-31D1-AFEB-D433ACF281B8}"/>
+                </a:ext>
+              </a:extLst>
+            </p:cNvPr>
+            <p:cNvSpPr txBox="1"/>
+            <p:nvPr/>
+          </p:nvSpPr>
+          <p:spPr>
+            <a:xfrm>
+              <a:off x="3292199" y="3359177"/>
+              <a:ext cx="1082348" cy="230832"/>
+            </a:xfrm>
+            <a:prstGeom prst="rect">
+              <a:avLst/>
+            </a:prstGeom>
+            <a:noFill/>
+          </p:spPr>
+          <p:txBody>
+            <a:bodyPr wrap="none" rtlCol="0">
+              <a:spAutoFit/>
+            </a:bodyPr>
+            <a:lstStyle/>
+            <a:p>
+              <a:r>
+                <a:rPr lang="en-US" sz="900" dirty="0"/>
+                <a:t>inpainting domain</a:t>
+              </a:r>
+            </a:p>
+          </p:txBody>
+        </p:sp>
+        <mc:AlternateContent xmlns:mc="http://schemas.openxmlformats.org/markup-compatibility/2006">
+          <mc:Choice xmlns:a14="http://schemas.microsoft.com/office/drawing/2010/main" Requires="a14">
+            <p:sp>
+              <p:nvSpPr>
+                <p:cNvPr id="7" name="TextBox 6">
+                  <a:extLst>
+                    <a:ext uri="{FF2B5EF4-FFF2-40B4-BE49-F238E27FC236}">
+                      <a16:creationId xmlns:a16="http://schemas.microsoft.com/office/drawing/2014/main" id="{07E6CB58-DF8E-A547-F067-1CE944676FC6}"/>
+                    </a:ext>
+                  </a:extLst>
+                </p:cNvPr>
+                <p:cNvSpPr txBox="1"/>
+                <p:nvPr/>
+              </p:nvSpPr>
+              <p:spPr>
+                <a:xfrm>
+                  <a:off x="2750214" y="1946766"/>
+                  <a:ext cx="881267" cy="246221"/>
+                </a:xfrm>
+                <a:prstGeom prst="rect">
+                  <a:avLst/>
+                </a:prstGeom>
+                <a:noFill/>
+              </p:spPr>
+              <p:txBody>
+                <a:bodyPr wrap="none" rtlCol="0">
+                  <a:spAutoFit/>
+                </a:bodyPr>
+                <a:lstStyle/>
+                <a:p>
+                  <a14:m>
+                    <m:oMath xmlns:m="http://schemas.openxmlformats.org/officeDocument/2006/math">
+                      <m:sSub>
+                        <m:sSubPr>
+                          <m:ctrlPr>
+                            <a:rPr lang="en-US" sz="1000" b="0" i="1" dirty="0" smtClean="0">
+                              <a:latin typeface="Cambria Math" panose="02040503050406030204" pitchFamily="18" charset="0"/>
+                            </a:rPr>
+                          </m:ctrlPr>
+                        </m:sSubPr>
+                        <m:e>
+                          <m:d>
+                            <m:dPr>
+                              <m:begChr m:val=""/>
+                              <m:endChr m:val="|"/>
+                              <m:ctrlPr>
+                                <a:rPr lang="en-US" sz="1000" b="0" i="1" dirty="0" smtClean="0">
+                                  <a:latin typeface="Cambria Math" panose="02040503050406030204" pitchFamily="18" charset="0"/>
+                                </a:rPr>
+                              </m:ctrlPr>
+                            </m:dPr>
+                            <m:e>
+                              <m:r>
+                                <a:rPr lang="en-US" sz="1000" b="0" i="1" dirty="0" smtClean="0">
+                                  <a:latin typeface="Cambria Math" panose="02040503050406030204" pitchFamily="18" charset="0"/>
+                                </a:rPr>
+                                <m:t>𝑢</m:t>
+                              </m:r>
+                            </m:e>
+                          </m:d>
+                        </m:e>
+                        <m:sub>
+                          <m:sSup>
+                            <m:sSupPr>
+                              <m:ctrlPr>
+                                <a:rPr lang="en-US" sz="1000" b="0" i="1" dirty="0" smtClean="0">
+                                  <a:latin typeface="Cambria Math" panose="02040503050406030204" pitchFamily="18" charset="0"/>
+                                </a:rPr>
+                              </m:ctrlPr>
+                            </m:sSupPr>
+                            <m:e>
+                              <m:r>
+                                <a:rPr lang="en-US" sz="1000" b="0" i="1" dirty="0" smtClean="0">
+                                  <a:latin typeface="Cambria Math" panose="02040503050406030204" pitchFamily="18" charset="0"/>
+                                </a:rPr>
+                                <m:t>𝐷</m:t>
+                              </m:r>
+                            </m:e>
+                            <m:sup>
+                              <m:r>
+                                <a:rPr lang="en-US" sz="1000" b="0" i="1" dirty="0" smtClean="0">
+                                  <a:latin typeface="Cambria Math" panose="02040503050406030204" pitchFamily="18" charset="0"/>
+                                </a:rPr>
+                                <m:t>𝑐</m:t>
+                              </m:r>
+                            </m:sup>
+                          </m:sSup>
+                        </m:sub>
+                      </m:sSub>
+                    </m:oMath>
+                  </a14:m>
+                  <a:r>
+                    <a:rPr lang="en-US" sz="1000" dirty="0"/>
+                    <a:t>  is given</a:t>
+                  </a:r>
+                </a:p>
+              </p:txBody>
+            </p:sp>
+          </mc:Choice>
+          <mc:Fallback>
+            <p:sp>
+              <p:nvSpPr>
+                <p:cNvPr id="7" name="TextBox 6">
+                  <a:extLst>
+                    <a:ext uri="{FF2B5EF4-FFF2-40B4-BE49-F238E27FC236}">
+                      <a16:creationId xmlns:a16="http://schemas.microsoft.com/office/drawing/2014/main" id="{07E6CB58-DF8E-A547-F067-1CE944676FC6}"/>
+                    </a:ext>
+                  </a:extLst>
+                </p:cNvPr>
+                <p:cNvSpPr txBox="1">
+                  <a:spLocks noRot="1" noChangeAspect="1" noMove="1" noResize="1" noEditPoints="1" noAdjustHandles="1" noChangeArrowheads="1" noChangeShapeType="1" noTextEdit="1"/>
+                </p:cNvSpPr>
+                <p:nvPr/>
+              </p:nvSpPr>
+              <p:spPr>
+                <a:xfrm>
+                  <a:off x="2750214" y="1946766"/>
+                  <a:ext cx="881267" cy="246221"/>
+                </a:xfrm>
+                <a:prstGeom prst="rect">
+                  <a:avLst/>
+                </a:prstGeom>
+                <a:blipFill>
+                  <a:blip r:embed="rId3"/>
+                  <a:stretch>
+                    <a:fillRect l="-7042" t="-85000" b="-135000"/>
+                  </a:stretch>
+                </a:blipFill>
+              </p:spPr>
+              <p:txBody>
+                <a:bodyPr/>
+                <a:lstStyle/>
+                <a:p>
+                  <a:r>
+                    <a:rPr lang="en-US">
+                      <a:noFill/>
+                    </a:rPr>
+                    <a:t> </a:t>
+                  </a:r>
+                </a:p>
+              </p:txBody>
+            </p:sp>
+          </mc:Fallback>
+        </mc:AlternateContent>
+        <p:sp>
+          <p:nvSpPr>
+            <p:cNvPr id="8" name="Rectangle 7">
+              <a:extLst>
+                <a:ext uri="{FF2B5EF4-FFF2-40B4-BE49-F238E27FC236}">
+                  <a16:creationId xmlns:a16="http://schemas.microsoft.com/office/drawing/2014/main" id="{12DA5ABF-63E4-687E-74C7-6E5DA704DC46}"/>
+                </a:ext>
+              </a:extLst>
+            </p:cNvPr>
+            <p:cNvSpPr/>
+            <p:nvPr/>
+          </p:nvSpPr>
+          <p:spPr>
+            <a:xfrm>
+              <a:off x="2395039" y="1786715"/>
+              <a:ext cx="2735548" cy="2383561"/>
+            </a:xfrm>
+            <a:prstGeom prst="rect">
+              <a:avLst/>
+            </a:prstGeom>
+            <a:solidFill>
+              <a:schemeClr val="accent1">
+                <a:alpha val="0"/>
+              </a:schemeClr>
+            </a:solidFill>
+            <a:ln w="6350"/>
+          </p:spPr>
+          <p:style>
+            <a:lnRef idx="2">
+              <a:schemeClr val="accent1">
+                <a:shade val="15000"/>
+              </a:schemeClr>
+            </a:lnRef>
+            <a:fillRef idx="1">
+              <a:schemeClr val="accent1"/>
+            </a:fillRef>
+            <a:effectRef idx="0">
+              <a:schemeClr val="accent1"/>
+            </a:effectRef>
+            <a:fontRef idx="minor">
+              <a:schemeClr val="lt1"/>
+            </a:fontRef>
+          </p:style>
+          <p:txBody>
+            <a:bodyPr rtlCol="0" anchor="ctr"/>
+            <a:lstStyle/>
+            <a:p>
+              <a:pPr algn="ctr"/>
+              <a:endParaRPr lang="en-US"/>
+            </a:p>
+          </p:txBody>
+        </p:sp>
+      </p:grpSp>
+      <p:grpSp>
+        <p:nvGrpSpPr>
+          <p:cNvPr id="52" name="Group 51">
+            <a:extLst>
+              <a:ext uri="{FF2B5EF4-FFF2-40B4-BE49-F238E27FC236}">
+                <a16:creationId xmlns:a16="http://schemas.microsoft.com/office/drawing/2014/main" id="{7029953D-774B-0364-AE81-D804485BDF21}"/>
+              </a:ext>
+            </a:extLst>
+          </p:cNvPr>
+          <p:cNvGrpSpPr/>
+          <p:nvPr/>
+        </p:nvGrpSpPr>
+        <p:grpSpPr>
+          <a:xfrm>
+            <a:off x="6282156" y="2149167"/>
+            <a:ext cx="2187612" cy="2199503"/>
+            <a:chOff x="6282156" y="2149167"/>
+            <a:chExt cx="2187612" cy="2199503"/>
+          </a:xfrm>
+        </p:grpSpPr>
+        <p:sp>
+          <p:nvSpPr>
+            <p:cNvPr id="10" name="Cube 9">
+              <a:extLst>
+                <a:ext uri="{FF2B5EF4-FFF2-40B4-BE49-F238E27FC236}">
+                  <a16:creationId xmlns:a16="http://schemas.microsoft.com/office/drawing/2014/main" id="{2426237C-1AC9-90AF-CB06-5C29B0B3D193}"/>
+                </a:ext>
+              </a:extLst>
+            </p:cNvPr>
+            <p:cNvSpPr/>
+            <p:nvPr/>
+          </p:nvSpPr>
+          <p:spPr>
+            <a:xfrm>
+              <a:off x="6621194" y="2541563"/>
+              <a:ext cx="1420837" cy="1402080"/>
+            </a:xfrm>
+            <a:prstGeom prst="cube">
+              <a:avLst/>
+            </a:prstGeom>
+            <a:solidFill>
+              <a:schemeClr val="accent1">
+                <a:alpha val="15942"/>
+              </a:schemeClr>
+            </a:solidFill>
+          </p:spPr>
+          <p:style>
+            <a:lnRef idx="2">
+              <a:schemeClr val="accent1">
+                <a:shade val="15000"/>
+              </a:schemeClr>
+            </a:lnRef>
+            <a:fillRef idx="1">
+              <a:schemeClr val="accent1"/>
+            </a:fillRef>
+            <a:effectRef idx="0">
+              <a:schemeClr val="accent1"/>
+            </a:effectRef>
+            <a:fontRef idx="minor">
+              <a:schemeClr val="lt1"/>
+            </a:fontRef>
+          </p:style>
+          <p:txBody>
+            <a:bodyPr rtlCol="0" anchor="ctr"/>
+            <a:lstStyle/>
+            <a:p>
+              <a:pPr algn="ctr"/>
+              <a:endParaRPr lang="en-US"/>
+            </a:p>
+          </p:txBody>
+        </p:sp>
+        <mc:AlternateContent xmlns:mc="http://schemas.openxmlformats.org/markup-compatibility/2006">
+          <mc:Choice xmlns:a14="http://schemas.microsoft.com/office/drawing/2010/main" Requires="a14">
+            <p:sp>
+              <p:nvSpPr>
+                <p:cNvPr id="11" name="TextBox 10">
+                  <a:extLst>
+                    <a:ext uri="{FF2B5EF4-FFF2-40B4-BE49-F238E27FC236}">
+                      <a16:creationId xmlns:a16="http://schemas.microsoft.com/office/drawing/2014/main" id="{7820189C-81CE-C567-0620-879A5478C348}"/>
+                    </a:ext>
+                  </a:extLst>
+                </p:cNvPr>
+                <p:cNvSpPr txBox="1"/>
+                <p:nvPr/>
+              </p:nvSpPr>
+              <p:spPr>
+                <a:xfrm>
+                  <a:off x="7153446" y="3182779"/>
+                  <a:ext cx="294504" cy="246221"/>
+                </a:xfrm>
+                <a:prstGeom prst="rect">
+                  <a:avLst/>
+                </a:prstGeom>
+                <a:noFill/>
+              </p:spPr>
+              <p:txBody>
+                <a:bodyPr wrap="none" rtlCol="0">
+                  <a:spAutoFit/>
+                </a:bodyPr>
+                <a:lstStyle/>
+                <a:p>
+                  <a14:m>
+                    <m:oMathPara xmlns:m="http://schemas.openxmlformats.org/officeDocument/2006/math">
+                      <m:oMathParaPr>
+                        <m:jc m:val="centerGroup"/>
+                      </m:oMathParaPr>
+                      <m:oMath xmlns:m="http://schemas.openxmlformats.org/officeDocument/2006/math">
+                        <m:r>
+                          <a:rPr lang="en-US" sz="1000" i="1" dirty="0" smtClean="0">
+                            <a:latin typeface="Cambria Math" panose="02040503050406030204" pitchFamily="18" charset="0"/>
+                          </a:rPr>
+                          <m:t>𝑉</m:t>
+                        </m:r>
+                      </m:oMath>
+                    </m:oMathPara>
+                  </a14:m>
+                  <a:endParaRPr lang="en-US" sz="1000" dirty="0"/>
+                </a:p>
+              </p:txBody>
+            </p:sp>
+          </mc:Choice>
+          <mc:Fallback>
+            <p:sp>
+              <p:nvSpPr>
+                <p:cNvPr id="11" name="TextBox 10">
+                  <a:extLst>
+                    <a:ext uri="{FF2B5EF4-FFF2-40B4-BE49-F238E27FC236}">
+                      <a16:creationId xmlns:a16="http://schemas.microsoft.com/office/drawing/2014/main" id="{7820189C-81CE-C567-0620-879A5478C348}"/>
+                    </a:ext>
+                  </a:extLst>
+                </p:cNvPr>
+                <p:cNvSpPr txBox="1">
+                  <a:spLocks noRot="1" noChangeAspect="1" noMove="1" noResize="1" noEditPoints="1" noAdjustHandles="1" noChangeArrowheads="1" noChangeShapeType="1" noTextEdit="1"/>
+                </p:cNvSpPr>
+                <p:nvPr/>
+              </p:nvSpPr>
+              <p:spPr>
+                <a:xfrm>
+                  <a:off x="7153446" y="3182779"/>
+                  <a:ext cx="294504" cy="246221"/>
+                </a:xfrm>
+                <a:prstGeom prst="rect">
+                  <a:avLst/>
+                </a:prstGeom>
+                <a:blipFill>
+                  <a:blip r:embed="rId4"/>
+                  <a:stretch>
+                    <a:fillRect/>
+                  </a:stretch>
+                </a:blipFill>
+              </p:spPr>
+              <p:txBody>
+                <a:bodyPr/>
+                <a:lstStyle/>
+                <a:p>
+                  <a:r>
+                    <a:rPr lang="en-US">
+                      <a:noFill/>
+                    </a:rPr>
+                    <a:t> </a:t>
+                  </a:r>
+                </a:p>
+              </p:txBody>
+            </p:sp>
+          </mc:Fallback>
+        </mc:AlternateContent>
+        <p:cxnSp>
+          <p:nvCxnSpPr>
+            <p:cNvPr id="13" name="Straight Connector 12">
+              <a:extLst>
+                <a:ext uri="{FF2B5EF4-FFF2-40B4-BE49-F238E27FC236}">
+                  <a16:creationId xmlns:a16="http://schemas.microsoft.com/office/drawing/2014/main" id="{6FE27CA1-51D9-926C-5DCF-425E019CD846}"/>
+                </a:ext>
+              </a:extLst>
+            </p:cNvPr>
+            <p:cNvCxnSpPr>
+              <a:cxnSpLocks/>
+            </p:cNvCxnSpPr>
+            <p:nvPr/>
+          </p:nvCxnSpPr>
+          <p:spPr>
+            <a:xfrm>
+              <a:off x="6978650" y="2541563"/>
+              <a:ext cx="0" cy="1048446"/>
+            </a:xfrm>
+            <a:prstGeom prst="line">
+              <a:avLst/>
+            </a:prstGeom>
+            <a:ln w="9525">
+              <a:prstDash val="dash"/>
+            </a:ln>
+          </p:spPr>
+          <p:style>
+            <a:lnRef idx="2">
+              <a:schemeClr val="accent1"/>
+            </a:lnRef>
+            <a:fillRef idx="0">
+              <a:schemeClr val="accent1"/>
+            </a:fillRef>
+            <a:effectRef idx="1">
+              <a:schemeClr val="accent1"/>
+            </a:effectRef>
+            <a:fontRef idx="minor">
+              <a:schemeClr val="tx1"/>
+            </a:fontRef>
+          </p:style>
+        </p:cxnSp>
+        <p:cxnSp>
+          <p:nvCxnSpPr>
+            <p:cNvPr id="15" name="Straight Connector 14">
+              <a:extLst>
+                <a:ext uri="{FF2B5EF4-FFF2-40B4-BE49-F238E27FC236}">
+                  <a16:creationId xmlns:a16="http://schemas.microsoft.com/office/drawing/2014/main" id="{29A264AB-96D2-3523-AD60-45CC172E0A11}"/>
+                </a:ext>
+              </a:extLst>
+            </p:cNvPr>
+            <p:cNvCxnSpPr>
+              <a:cxnSpLocks/>
+            </p:cNvCxnSpPr>
+            <p:nvPr/>
+          </p:nvCxnSpPr>
+          <p:spPr>
+            <a:xfrm flipH="1">
+              <a:off x="6629400" y="3593077"/>
+              <a:ext cx="349250" cy="350566"/>
+            </a:xfrm>
+            <a:prstGeom prst="line">
+              <a:avLst/>
+            </a:prstGeom>
+            <a:ln w="9525">
+              <a:prstDash val="dash"/>
+            </a:ln>
+          </p:spPr>
+          <p:style>
+            <a:lnRef idx="2">
+              <a:schemeClr val="accent1"/>
+            </a:lnRef>
+            <a:fillRef idx="0">
+              <a:schemeClr val="accent1"/>
+            </a:fillRef>
+            <a:effectRef idx="1">
+              <a:schemeClr val="accent1"/>
+            </a:effectRef>
+            <a:fontRef idx="minor">
+              <a:schemeClr val="tx1"/>
+            </a:fontRef>
+          </p:style>
+        </p:cxnSp>
+        <p:cxnSp>
+          <p:nvCxnSpPr>
+            <p:cNvPr id="18" name="Straight Connector 17">
+              <a:extLst>
+                <a:ext uri="{FF2B5EF4-FFF2-40B4-BE49-F238E27FC236}">
+                  <a16:creationId xmlns:a16="http://schemas.microsoft.com/office/drawing/2014/main" id="{78C1EB54-97DA-01B5-A1F1-2C3C06FBF249}"/>
+                </a:ext>
+              </a:extLst>
+            </p:cNvPr>
+            <p:cNvCxnSpPr>
+              <a:cxnSpLocks/>
+            </p:cNvCxnSpPr>
+            <p:nvPr/>
+          </p:nvCxnSpPr>
+          <p:spPr>
+            <a:xfrm flipH="1">
+              <a:off x="6978650" y="3590009"/>
+              <a:ext cx="1063381" cy="0"/>
+            </a:xfrm>
+            <a:prstGeom prst="line">
+              <a:avLst/>
+            </a:prstGeom>
+            <a:ln w="9525">
+              <a:prstDash val="dash"/>
+            </a:ln>
+          </p:spPr>
+          <p:style>
+            <a:lnRef idx="2">
+              <a:schemeClr val="accent1"/>
+            </a:lnRef>
+            <a:fillRef idx="0">
+              <a:schemeClr val="accent1"/>
+            </a:fillRef>
+            <a:effectRef idx="1">
+              <a:schemeClr val="accent1"/>
+            </a:effectRef>
+            <a:fontRef idx="minor">
+              <a:schemeClr val="tx1"/>
+            </a:fontRef>
+          </p:style>
+        </p:cxnSp>
+        <p:cxnSp>
+          <p:nvCxnSpPr>
+            <p:cNvPr id="22" name="Straight Connector 21">
+              <a:extLst>
+                <a:ext uri="{FF2B5EF4-FFF2-40B4-BE49-F238E27FC236}">
+                  <a16:creationId xmlns:a16="http://schemas.microsoft.com/office/drawing/2014/main" id="{5205FFF6-FAAF-EF60-AC5B-14B078804480}"/>
+                </a:ext>
+              </a:extLst>
+            </p:cNvPr>
+            <p:cNvCxnSpPr/>
+            <p:nvPr/>
+          </p:nvCxnSpPr>
+          <p:spPr>
+            <a:xfrm flipV="1">
+              <a:off x="7747000" y="2355850"/>
+              <a:ext cx="136525" cy="273932"/>
+            </a:xfrm>
+            <a:prstGeom prst="line">
+              <a:avLst/>
+            </a:prstGeom>
+            <a:ln w="6350"/>
+          </p:spPr>
+          <p:style>
+            <a:lnRef idx="2">
+              <a:schemeClr val="accent1"/>
+            </a:lnRef>
+            <a:fillRef idx="0">
+              <a:schemeClr val="accent1"/>
+            </a:fillRef>
+            <a:effectRef idx="1">
+              <a:schemeClr val="accent1"/>
+            </a:effectRef>
+            <a:fontRef idx="minor">
+              <a:schemeClr val="tx1"/>
+            </a:fontRef>
+          </p:style>
+        </p:cxnSp>
+        <mc:AlternateContent xmlns:mc="http://schemas.openxmlformats.org/markup-compatibility/2006">
+          <mc:Choice xmlns:a14="http://schemas.microsoft.com/office/drawing/2010/main" Requires="a14">
+            <p:sp>
+              <p:nvSpPr>
+                <p:cNvPr id="23" name="TextBox 22">
+                  <a:extLst>
+                    <a:ext uri="{FF2B5EF4-FFF2-40B4-BE49-F238E27FC236}">
+                      <a16:creationId xmlns:a16="http://schemas.microsoft.com/office/drawing/2014/main" id="{9D1C5883-A377-975C-7FDA-DC127FE02821}"/>
+                    </a:ext>
+                  </a:extLst>
+                </p:cNvPr>
+                <p:cNvSpPr txBox="1"/>
+                <p:nvPr/>
+              </p:nvSpPr>
+              <p:spPr>
+                <a:xfrm>
+                  <a:off x="7782096" y="2152235"/>
+                  <a:ext cx="280141" cy="246221"/>
+                </a:xfrm>
+                <a:prstGeom prst="rect">
+                  <a:avLst/>
+                </a:prstGeom>
+                <a:noFill/>
+              </p:spPr>
+              <p:txBody>
+                <a:bodyPr wrap="none" rtlCol="0">
+                  <a:spAutoFit/>
+                </a:bodyPr>
+                <a:lstStyle/>
+                <a:p>
+                  <a14:m>
+                    <m:oMathPara xmlns:m="http://schemas.openxmlformats.org/officeDocument/2006/math">
+                      <m:oMathParaPr>
+                        <m:jc m:val="centerGroup"/>
+                      </m:oMathParaPr>
+                      <m:oMath xmlns:m="http://schemas.openxmlformats.org/officeDocument/2006/math">
+                        <m:r>
+                          <a:rPr lang="en-US" sz="1000" b="0" i="1" dirty="0" smtClean="0">
+                            <a:latin typeface="Cambria Math" panose="02040503050406030204" pitchFamily="18" charset="0"/>
+                          </a:rPr>
+                          <m:t>𝑆</m:t>
+                        </m:r>
+                      </m:oMath>
+                    </m:oMathPara>
+                  </a14:m>
+                  <a:endParaRPr lang="en-US" sz="1000" dirty="0"/>
+                </a:p>
+              </p:txBody>
+            </p:sp>
+          </mc:Choice>
+          <mc:Fallback>
+            <p:sp>
+              <p:nvSpPr>
+                <p:cNvPr id="23" name="TextBox 22">
+                  <a:extLst>
+                    <a:ext uri="{FF2B5EF4-FFF2-40B4-BE49-F238E27FC236}">
+                      <a16:creationId xmlns:a16="http://schemas.microsoft.com/office/drawing/2014/main" id="{9D1C5883-A377-975C-7FDA-DC127FE02821}"/>
+                    </a:ext>
+                  </a:extLst>
+                </p:cNvPr>
+                <p:cNvSpPr txBox="1">
+                  <a:spLocks noRot="1" noChangeAspect="1" noMove="1" noResize="1" noEditPoints="1" noAdjustHandles="1" noChangeArrowheads="1" noChangeShapeType="1" noTextEdit="1"/>
+                </p:cNvSpPr>
+                <p:nvPr/>
+              </p:nvSpPr>
+              <p:spPr>
+                <a:xfrm>
+                  <a:off x="7782096" y="2152235"/>
+                  <a:ext cx="280141" cy="246221"/>
+                </a:xfrm>
+                <a:prstGeom prst="rect">
+                  <a:avLst/>
+                </a:prstGeom>
+                <a:blipFill>
+                  <a:blip r:embed="rId5"/>
+                  <a:stretch>
+                    <a:fillRect/>
+                  </a:stretch>
+                </a:blipFill>
+              </p:spPr>
+              <p:txBody>
+                <a:bodyPr/>
+                <a:lstStyle/>
+                <a:p>
+                  <a:r>
+                    <a:rPr lang="en-US">
+                      <a:noFill/>
+                    </a:rPr>
+                    <a:t> </a:t>
+                  </a:r>
+                </a:p>
+              </p:txBody>
+            </p:sp>
+          </mc:Fallback>
+        </mc:AlternateContent>
+        <p:cxnSp>
+          <p:nvCxnSpPr>
+            <p:cNvPr id="26" name="Straight Arrow Connector 25">
+              <a:extLst>
+                <a:ext uri="{FF2B5EF4-FFF2-40B4-BE49-F238E27FC236}">
+                  <a16:creationId xmlns:a16="http://schemas.microsoft.com/office/drawing/2014/main" id="{A8294A1C-0FC0-1F95-E625-E08E7B1191F3}"/>
+                </a:ext>
+              </a:extLst>
+            </p:cNvPr>
+            <p:cNvCxnSpPr/>
+            <p:nvPr/>
+          </p:nvCxnSpPr>
+          <p:spPr>
+            <a:xfrm flipV="1">
+              <a:off x="7300698" y="2275345"/>
+              <a:ext cx="0" cy="445630"/>
+            </a:xfrm>
+            <a:prstGeom prst="straightConnector1">
+              <a:avLst/>
+            </a:prstGeom>
+            <a:ln w="12700">
+              <a:tailEnd type="triangle" w="sm" len="med"/>
+            </a:ln>
+          </p:spPr>
+          <p:style>
+            <a:lnRef idx="2">
+              <a:schemeClr val="accent1"/>
+            </a:lnRef>
+            <a:fillRef idx="0">
+              <a:schemeClr val="accent1"/>
+            </a:fillRef>
+            <a:effectRef idx="1">
+              <a:schemeClr val="accent1"/>
+            </a:effectRef>
+            <a:fontRef idx="minor">
+              <a:schemeClr val="tx1"/>
+            </a:fontRef>
+          </p:style>
+        </p:cxnSp>
+        <mc:AlternateContent xmlns:mc="http://schemas.openxmlformats.org/markup-compatibility/2006">
+          <mc:Choice xmlns:a14="http://schemas.microsoft.com/office/drawing/2010/main" Requires="a14">
+            <p:sp>
+              <p:nvSpPr>
+                <p:cNvPr id="27" name="TextBox 26">
+                  <a:extLst>
+                    <a:ext uri="{FF2B5EF4-FFF2-40B4-BE49-F238E27FC236}">
+                      <a16:creationId xmlns:a16="http://schemas.microsoft.com/office/drawing/2014/main" id="{F986A2B9-61C1-5876-6A9C-EC9C469CA73E}"/>
+                    </a:ext>
+                  </a:extLst>
+                </p:cNvPr>
+                <p:cNvSpPr txBox="1"/>
+                <p:nvPr/>
+              </p:nvSpPr>
+              <p:spPr>
+                <a:xfrm>
+                  <a:off x="7274231" y="2149167"/>
+                  <a:ext cx="286232" cy="246221"/>
+                </a:xfrm>
+                <a:prstGeom prst="rect">
+                  <a:avLst/>
+                </a:prstGeom>
+                <a:noFill/>
+              </p:spPr>
+              <p:txBody>
+                <a:bodyPr wrap="none" rtlCol="0">
+                  <a:spAutoFit/>
+                </a:bodyPr>
+                <a:lstStyle/>
+                <a:p>
+                  <a14:m>
+                    <m:oMathPara xmlns:m="http://schemas.openxmlformats.org/officeDocument/2006/math">
+                      <m:oMathParaPr>
+                        <m:jc m:val="centerGroup"/>
+                      </m:oMathParaPr>
+                      <m:oMath xmlns:m="http://schemas.openxmlformats.org/officeDocument/2006/math">
+                        <m:acc>
+                          <m:accPr>
+                            <m:chr m:val="⃗"/>
+                            <m:ctrlPr>
+                              <a:rPr lang="en-US" sz="1000" b="0" i="1" dirty="0" smtClean="0">
+                                <a:latin typeface="Cambria Math" panose="02040503050406030204" pitchFamily="18" charset="0"/>
+                              </a:rPr>
+                            </m:ctrlPr>
+                          </m:accPr>
+                          <m:e>
+                            <m:r>
+                              <a:rPr lang="en-US" sz="1000" b="0" i="1" dirty="0" smtClean="0">
+                                <a:latin typeface="Cambria Math" panose="02040503050406030204" pitchFamily="18" charset="0"/>
+                              </a:rPr>
+                              <m:t>𝑛</m:t>
+                            </m:r>
+                          </m:e>
+                        </m:acc>
+                      </m:oMath>
+                    </m:oMathPara>
+                  </a14:m>
+                  <a:endParaRPr lang="en-US" sz="1000" dirty="0"/>
+                </a:p>
+              </p:txBody>
+            </p:sp>
+          </mc:Choice>
+          <mc:Fallback>
+            <p:sp>
+              <p:nvSpPr>
+                <p:cNvPr id="27" name="TextBox 26">
+                  <a:extLst>
+                    <a:ext uri="{FF2B5EF4-FFF2-40B4-BE49-F238E27FC236}">
+                      <a16:creationId xmlns:a16="http://schemas.microsoft.com/office/drawing/2014/main" id="{F986A2B9-61C1-5876-6A9C-EC9C469CA73E}"/>
+                    </a:ext>
+                  </a:extLst>
+                </p:cNvPr>
+                <p:cNvSpPr txBox="1">
+                  <a:spLocks noRot="1" noChangeAspect="1" noMove="1" noResize="1" noEditPoints="1" noAdjustHandles="1" noChangeArrowheads="1" noChangeShapeType="1" noTextEdit="1"/>
+                </p:cNvSpPr>
+                <p:nvPr/>
+              </p:nvSpPr>
+              <p:spPr>
+                <a:xfrm>
+                  <a:off x="7274231" y="2149167"/>
+                  <a:ext cx="286232" cy="246221"/>
+                </a:xfrm>
+                <a:prstGeom prst="rect">
+                  <a:avLst/>
+                </a:prstGeom>
+                <a:blipFill>
+                  <a:blip r:embed="rId6"/>
+                  <a:stretch>
+                    <a:fillRect/>
+                  </a:stretch>
+                </a:blipFill>
+              </p:spPr>
+              <p:txBody>
+                <a:bodyPr/>
+                <a:lstStyle/>
+                <a:p>
+                  <a:r>
+                    <a:rPr lang="en-US">
+                      <a:noFill/>
+                    </a:rPr>
+                    <a:t> </a:t>
+                  </a:r>
+                </a:p>
+              </p:txBody>
+            </p:sp>
+          </mc:Fallback>
+        </mc:AlternateContent>
+        <p:cxnSp>
+          <p:nvCxnSpPr>
+            <p:cNvPr id="28" name="Straight Arrow Connector 27">
+              <a:extLst>
+                <a:ext uri="{FF2B5EF4-FFF2-40B4-BE49-F238E27FC236}">
+                  <a16:creationId xmlns:a16="http://schemas.microsoft.com/office/drawing/2014/main" id="{69CEC9F0-EC0D-2EF5-2FAF-A770B70830AB}"/>
+                </a:ext>
+              </a:extLst>
+            </p:cNvPr>
+            <p:cNvCxnSpPr>
+              <a:cxnSpLocks/>
+            </p:cNvCxnSpPr>
+            <p:nvPr/>
+          </p:nvCxnSpPr>
+          <p:spPr>
+            <a:xfrm>
+              <a:off x="7331612" y="3943643"/>
+              <a:ext cx="0" cy="281917"/>
+            </a:xfrm>
+            <a:prstGeom prst="straightConnector1">
+              <a:avLst/>
+            </a:prstGeom>
+            <a:ln w="12700">
+              <a:tailEnd type="triangle" w="sm" len="med"/>
+            </a:ln>
+          </p:spPr>
+          <p:style>
+            <a:lnRef idx="2">
+              <a:schemeClr val="accent1"/>
+            </a:lnRef>
+            <a:fillRef idx="0">
+              <a:schemeClr val="accent1"/>
+            </a:fillRef>
+            <a:effectRef idx="1">
+              <a:schemeClr val="accent1"/>
+            </a:effectRef>
+            <a:fontRef idx="minor">
+              <a:schemeClr val="tx1"/>
+            </a:fontRef>
+          </p:style>
+        </p:cxnSp>
+        <p:cxnSp>
+          <p:nvCxnSpPr>
+            <p:cNvPr id="33" name="Straight Connector 32">
+              <a:extLst>
+                <a:ext uri="{FF2B5EF4-FFF2-40B4-BE49-F238E27FC236}">
+                  <a16:creationId xmlns:a16="http://schemas.microsoft.com/office/drawing/2014/main" id="{281425F5-C23E-07BD-0378-56B19B25E43E}"/>
+                </a:ext>
+              </a:extLst>
+            </p:cNvPr>
+            <p:cNvCxnSpPr/>
+            <p:nvPr/>
+          </p:nvCxnSpPr>
+          <p:spPr>
+            <a:xfrm flipV="1">
+              <a:off x="7331612" y="3768360"/>
+              <a:ext cx="0" cy="175283"/>
+            </a:xfrm>
+            <a:prstGeom prst="line">
+              <a:avLst/>
+            </a:prstGeom>
+            <a:ln w="9525">
+              <a:prstDash val="sysDash"/>
+            </a:ln>
+          </p:spPr>
+          <p:style>
+            <a:lnRef idx="2">
+              <a:schemeClr val="accent1"/>
+            </a:lnRef>
+            <a:fillRef idx="0">
+              <a:schemeClr val="accent1"/>
+            </a:fillRef>
+            <a:effectRef idx="1">
+              <a:schemeClr val="accent1"/>
+            </a:effectRef>
+            <a:fontRef idx="minor">
+              <a:schemeClr val="tx1"/>
+            </a:fontRef>
+          </p:style>
+        </p:cxnSp>
+        <mc:AlternateContent xmlns:mc="http://schemas.openxmlformats.org/markup-compatibility/2006">
+          <mc:Choice xmlns:a14="http://schemas.microsoft.com/office/drawing/2010/main" Requires="a14">
+            <p:sp>
+              <p:nvSpPr>
+                <p:cNvPr id="34" name="TextBox 33">
+                  <a:extLst>
+                    <a:ext uri="{FF2B5EF4-FFF2-40B4-BE49-F238E27FC236}">
+                      <a16:creationId xmlns:a16="http://schemas.microsoft.com/office/drawing/2014/main" id="{9931DD4B-24A7-D050-CFC1-AF15B910AB1B}"/>
+                    </a:ext>
+                  </a:extLst>
+                </p:cNvPr>
+                <p:cNvSpPr txBox="1"/>
+                <p:nvPr/>
+              </p:nvSpPr>
+              <p:spPr>
+                <a:xfrm>
+                  <a:off x="7304834" y="4102449"/>
+                  <a:ext cx="286232" cy="246221"/>
+                </a:xfrm>
+                <a:prstGeom prst="rect">
+                  <a:avLst/>
+                </a:prstGeom>
+                <a:noFill/>
+              </p:spPr>
+              <p:txBody>
+                <a:bodyPr wrap="none" rtlCol="0">
+                  <a:spAutoFit/>
+                </a:bodyPr>
+                <a:lstStyle/>
+                <a:p>
+                  <a14:m>
+                    <m:oMathPara xmlns:m="http://schemas.openxmlformats.org/officeDocument/2006/math">
+                      <m:oMathParaPr>
+                        <m:jc m:val="centerGroup"/>
+                      </m:oMathParaPr>
+                      <m:oMath xmlns:m="http://schemas.openxmlformats.org/officeDocument/2006/math">
+                        <m:acc>
+                          <m:accPr>
+                            <m:chr m:val="⃗"/>
+                            <m:ctrlPr>
+                              <a:rPr lang="en-US" sz="1000" b="0" i="1" dirty="0" smtClean="0">
+                                <a:latin typeface="Cambria Math" panose="02040503050406030204" pitchFamily="18" charset="0"/>
+                              </a:rPr>
+                            </m:ctrlPr>
+                          </m:accPr>
+                          <m:e>
+                            <m:r>
+                              <a:rPr lang="en-US" sz="1000" b="0" i="1" dirty="0" smtClean="0">
+                                <a:latin typeface="Cambria Math" panose="02040503050406030204" pitchFamily="18" charset="0"/>
+                              </a:rPr>
+                              <m:t>𝑛</m:t>
+                            </m:r>
+                          </m:e>
+                        </m:acc>
+                      </m:oMath>
+                    </m:oMathPara>
+                  </a14:m>
+                  <a:endParaRPr lang="en-US" sz="1000" dirty="0"/>
+                </a:p>
+              </p:txBody>
+            </p:sp>
+          </mc:Choice>
+          <mc:Fallback>
+            <p:sp>
+              <p:nvSpPr>
+                <p:cNvPr id="34" name="TextBox 33">
+                  <a:extLst>
+                    <a:ext uri="{FF2B5EF4-FFF2-40B4-BE49-F238E27FC236}">
+                      <a16:creationId xmlns:a16="http://schemas.microsoft.com/office/drawing/2014/main" id="{9931DD4B-24A7-D050-CFC1-AF15B910AB1B}"/>
+                    </a:ext>
+                  </a:extLst>
+                </p:cNvPr>
+                <p:cNvSpPr txBox="1">
+                  <a:spLocks noRot="1" noChangeAspect="1" noMove="1" noResize="1" noEditPoints="1" noAdjustHandles="1" noChangeArrowheads="1" noChangeShapeType="1" noTextEdit="1"/>
+                </p:cNvSpPr>
+                <p:nvPr/>
+              </p:nvSpPr>
+              <p:spPr>
+                <a:xfrm>
+                  <a:off x="7304834" y="4102449"/>
+                  <a:ext cx="286232" cy="246221"/>
+                </a:xfrm>
+                <a:prstGeom prst="rect">
+                  <a:avLst/>
+                </a:prstGeom>
+                <a:blipFill>
+                  <a:blip r:embed="rId7"/>
+                  <a:stretch>
+                    <a:fillRect/>
+                  </a:stretch>
+                </a:blipFill>
+              </p:spPr>
+              <p:txBody>
+                <a:bodyPr/>
+                <a:lstStyle/>
+                <a:p>
+                  <a:r>
+                    <a:rPr lang="en-US">
+                      <a:noFill/>
+                    </a:rPr>
+                    <a:t> </a:t>
+                  </a:r>
+                </a:p>
+              </p:txBody>
+            </p:sp>
+          </mc:Fallback>
+        </mc:AlternateContent>
+        <p:cxnSp>
+          <p:nvCxnSpPr>
+            <p:cNvPr id="35" name="Straight Arrow Connector 34">
+              <a:extLst>
+                <a:ext uri="{FF2B5EF4-FFF2-40B4-BE49-F238E27FC236}">
+                  <a16:creationId xmlns:a16="http://schemas.microsoft.com/office/drawing/2014/main" id="{5D9F542A-D8E6-7D22-2A12-B004D48223BF}"/>
+                </a:ext>
+              </a:extLst>
+            </p:cNvPr>
+            <p:cNvCxnSpPr>
+              <a:cxnSpLocks/>
+            </p:cNvCxnSpPr>
+            <p:nvPr/>
+          </p:nvCxnSpPr>
+          <p:spPr>
+            <a:xfrm>
+              <a:off x="7883525" y="3214529"/>
+              <a:ext cx="443127" cy="0"/>
+            </a:xfrm>
+            <a:prstGeom prst="straightConnector1">
+              <a:avLst/>
+            </a:prstGeom>
+            <a:ln w="12700">
+              <a:tailEnd type="triangle" w="sm" len="med"/>
+            </a:ln>
+          </p:spPr>
+          <p:style>
+            <a:lnRef idx="2">
+              <a:schemeClr val="accent1"/>
+            </a:lnRef>
+            <a:fillRef idx="0">
+              <a:schemeClr val="accent1"/>
+            </a:fillRef>
+            <a:effectRef idx="1">
+              <a:schemeClr val="accent1"/>
+            </a:effectRef>
+            <a:fontRef idx="minor">
+              <a:schemeClr val="tx1"/>
+            </a:fontRef>
+          </p:style>
+        </p:cxnSp>
+        <p:cxnSp>
+          <p:nvCxnSpPr>
+            <p:cNvPr id="37" name="Straight Arrow Connector 36">
+              <a:extLst>
+                <a:ext uri="{FF2B5EF4-FFF2-40B4-BE49-F238E27FC236}">
+                  <a16:creationId xmlns:a16="http://schemas.microsoft.com/office/drawing/2014/main" id="{38F57F0D-1312-7D93-DD45-A844D803606F}"/>
+                </a:ext>
+              </a:extLst>
+            </p:cNvPr>
+            <p:cNvCxnSpPr>
+              <a:cxnSpLocks/>
+            </p:cNvCxnSpPr>
+            <p:nvPr/>
+          </p:nvCxnSpPr>
+          <p:spPr>
+            <a:xfrm flipH="1">
+              <a:off x="6429375" y="3303748"/>
+              <a:ext cx="191819" cy="0"/>
+            </a:xfrm>
+            <a:prstGeom prst="straightConnector1">
+              <a:avLst/>
+            </a:prstGeom>
+            <a:ln w="12700">
+              <a:tailEnd type="triangle" w="sm" len="med"/>
+            </a:ln>
+          </p:spPr>
+          <p:style>
+            <a:lnRef idx="2">
+              <a:schemeClr val="accent1"/>
+            </a:lnRef>
+            <a:fillRef idx="0">
+              <a:schemeClr val="accent1"/>
+            </a:fillRef>
+            <a:effectRef idx="1">
+              <a:schemeClr val="accent1"/>
+            </a:effectRef>
+            <a:fontRef idx="minor">
+              <a:schemeClr val="tx1"/>
+            </a:fontRef>
+          </p:style>
+        </p:cxnSp>
+        <p:cxnSp>
+          <p:nvCxnSpPr>
+            <p:cNvPr id="40" name="Straight Connector 39">
+              <a:extLst>
+                <a:ext uri="{FF2B5EF4-FFF2-40B4-BE49-F238E27FC236}">
+                  <a16:creationId xmlns:a16="http://schemas.microsoft.com/office/drawing/2014/main" id="{8FC8F8BE-653A-04CD-2811-71394AD45300}"/>
+                </a:ext>
+              </a:extLst>
+            </p:cNvPr>
+            <p:cNvCxnSpPr>
+              <a:cxnSpLocks/>
+            </p:cNvCxnSpPr>
+            <p:nvPr/>
+          </p:nvCxnSpPr>
+          <p:spPr>
+            <a:xfrm>
+              <a:off x="6629400" y="3305889"/>
+              <a:ext cx="174625" cy="0"/>
+            </a:xfrm>
+            <a:prstGeom prst="line">
+              <a:avLst/>
+            </a:prstGeom>
+            <a:ln w="9525">
+              <a:prstDash val="sysDash"/>
+            </a:ln>
+          </p:spPr>
+          <p:style>
+            <a:lnRef idx="2">
+              <a:schemeClr val="accent1"/>
+            </a:lnRef>
+            <a:fillRef idx="0">
+              <a:schemeClr val="accent1"/>
+            </a:fillRef>
+            <a:effectRef idx="1">
+              <a:schemeClr val="accent1"/>
+            </a:effectRef>
+            <a:fontRef idx="minor">
+              <a:schemeClr val="tx1"/>
+            </a:fontRef>
+          </p:style>
+        </p:cxnSp>
+        <mc:AlternateContent xmlns:mc="http://schemas.openxmlformats.org/markup-compatibility/2006">
+          <mc:Choice xmlns:a14="http://schemas.microsoft.com/office/drawing/2010/main" Requires="a14">
+            <p:sp>
+              <p:nvSpPr>
+                <p:cNvPr id="43" name="TextBox 42">
+                  <a:extLst>
+                    <a:ext uri="{FF2B5EF4-FFF2-40B4-BE49-F238E27FC236}">
+                      <a16:creationId xmlns:a16="http://schemas.microsoft.com/office/drawing/2014/main" id="{C9E7866D-3AA3-E62C-C81A-6DE3D00C1F8E}"/>
+                    </a:ext>
+                  </a:extLst>
+                </p:cNvPr>
+                <p:cNvSpPr txBox="1"/>
+                <p:nvPr/>
+              </p:nvSpPr>
+              <p:spPr>
+                <a:xfrm>
+                  <a:off x="6282156" y="3065786"/>
+                  <a:ext cx="286232" cy="246221"/>
+                </a:xfrm>
+                <a:prstGeom prst="rect">
+                  <a:avLst/>
+                </a:prstGeom>
+                <a:noFill/>
+              </p:spPr>
+              <p:txBody>
+                <a:bodyPr wrap="none" rtlCol="0">
+                  <a:spAutoFit/>
+                </a:bodyPr>
+                <a:lstStyle/>
+                <a:p>
+                  <a14:m>
+                    <m:oMathPara xmlns:m="http://schemas.openxmlformats.org/officeDocument/2006/math">
+                      <m:oMathParaPr>
+                        <m:jc m:val="centerGroup"/>
+                      </m:oMathParaPr>
+                      <m:oMath xmlns:m="http://schemas.openxmlformats.org/officeDocument/2006/math">
+                        <m:acc>
+                          <m:accPr>
+                            <m:chr m:val="⃗"/>
+                            <m:ctrlPr>
+                              <a:rPr lang="en-US" sz="1000" b="0" i="1" dirty="0" smtClean="0">
+                                <a:latin typeface="Cambria Math" panose="02040503050406030204" pitchFamily="18" charset="0"/>
+                              </a:rPr>
+                            </m:ctrlPr>
+                          </m:accPr>
+                          <m:e>
+                            <m:r>
+                              <a:rPr lang="en-US" sz="1000" b="0" i="1" dirty="0" smtClean="0">
+                                <a:latin typeface="Cambria Math" panose="02040503050406030204" pitchFamily="18" charset="0"/>
+                              </a:rPr>
+                              <m:t>𝑛</m:t>
+                            </m:r>
+                          </m:e>
+                        </m:acc>
+                      </m:oMath>
+                    </m:oMathPara>
+                  </a14:m>
+                  <a:endParaRPr lang="en-US" sz="1000" dirty="0"/>
+                </a:p>
+              </p:txBody>
+            </p:sp>
+          </mc:Choice>
+          <mc:Fallback>
+            <p:sp>
+              <p:nvSpPr>
+                <p:cNvPr id="43" name="TextBox 42">
+                  <a:extLst>
+                    <a:ext uri="{FF2B5EF4-FFF2-40B4-BE49-F238E27FC236}">
+                      <a16:creationId xmlns:a16="http://schemas.microsoft.com/office/drawing/2014/main" id="{C9E7866D-3AA3-E62C-C81A-6DE3D00C1F8E}"/>
+                    </a:ext>
+                  </a:extLst>
+                </p:cNvPr>
+                <p:cNvSpPr txBox="1">
+                  <a:spLocks noRot="1" noChangeAspect="1" noMove="1" noResize="1" noEditPoints="1" noAdjustHandles="1" noChangeArrowheads="1" noChangeShapeType="1" noTextEdit="1"/>
+                </p:cNvSpPr>
+                <p:nvPr/>
+              </p:nvSpPr>
+              <p:spPr>
+                <a:xfrm>
+                  <a:off x="6282156" y="3065786"/>
+                  <a:ext cx="286232" cy="246221"/>
+                </a:xfrm>
+                <a:prstGeom prst="rect">
+                  <a:avLst/>
+                </a:prstGeom>
+                <a:blipFill>
+                  <a:blip r:embed="rId8"/>
+                  <a:stretch>
+                    <a:fillRect/>
+                  </a:stretch>
+                </a:blipFill>
+              </p:spPr>
+              <p:txBody>
+                <a:bodyPr/>
+                <a:lstStyle/>
+                <a:p>
+                  <a:r>
+                    <a:rPr lang="en-US">
+                      <a:noFill/>
+                    </a:rPr>
+                    <a:t> </a:t>
+                  </a:r>
+                </a:p>
+              </p:txBody>
+            </p:sp>
+          </mc:Fallback>
+        </mc:AlternateContent>
+        <mc:AlternateContent xmlns:mc="http://schemas.openxmlformats.org/markup-compatibility/2006">
+          <mc:Choice xmlns:a14="http://schemas.microsoft.com/office/drawing/2010/main" Requires="a14">
+            <p:sp>
+              <p:nvSpPr>
+                <p:cNvPr id="44" name="TextBox 43">
+                  <a:extLst>
+                    <a:ext uri="{FF2B5EF4-FFF2-40B4-BE49-F238E27FC236}">
+                      <a16:creationId xmlns:a16="http://schemas.microsoft.com/office/drawing/2014/main" id="{85AD2A2C-1F33-570E-E850-6D6FD42CD81D}"/>
+                    </a:ext>
+                  </a:extLst>
+                </p:cNvPr>
+                <p:cNvSpPr txBox="1"/>
+                <p:nvPr/>
+              </p:nvSpPr>
+              <p:spPr>
+                <a:xfrm>
+                  <a:off x="8183536" y="2991461"/>
+                  <a:ext cx="286232" cy="246221"/>
+                </a:xfrm>
+                <a:prstGeom prst="rect">
+                  <a:avLst/>
+                </a:prstGeom>
+                <a:noFill/>
+              </p:spPr>
+              <p:txBody>
+                <a:bodyPr wrap="none" rtlCol="0">
+                  <a:spAutoFit/>
+                </a:bodyPr>
+                <a:lstStyle/>
+                <a:p>
+                  <a14:m>
+                    <m:oMathPara xmlns:m="http://schemas.openxmlformats.org/officeDocument/2006/math">
+                      <m:oMathParaPr>
+                        <m:jc m:val="centerGroup"/>
+                      </m:oMathParaPr>
+                      <m:oMath xmlns:m="http://schemas.openxmlformats.org/officeDocument/2006/math">
+                        <m:acc>
+                          <m:accPr>
+                            <m:chr m:val="⃗"/>
+                            <m:ctrlPr>
+                              <a:rPr lang="en-US" sz="1000" b="0" i="1" dirty="0" smtClean="0">
+                                <a:latin typeface="Cambria Math" panose="02040503050406030204" pitchFamily="18" charset="0"/>
+                              </a:rPr>
+                            </m:ctrlPr>
+                          </m:accPr>
+                          <m:e>
+                            <m:r>
+                              <a:rPr lang="en-US" sz="1000" b="0" i="1" dirty="0" smtClean="0">
+                                <a:latin typeface="Cambria Math" panose="02040503050406030204" pitchFamily="18" charset="0"/>
+                              </a:rPr>
+                              <m:t>𝑛</m:t>
+                            </m:r>
+                          </m:e>
+                        </m:acc>
+                      </m:oMath>
+                    </m:oMathPara>
+                  </a14:m>
+                  <a:endParaRPr lang="en-US" sz="1000" dirty="0"/>
+                </a:p>
+              </p:txBody>
+            </p:sp>
+          </mc:Choice>
+          <mc:Fallback>
+            <p:sp>
+              <p:nvSpPr>
+                <p:cNvPr id="44" name="TextBox 43">
+                  <a:extLst>
+                    <a:ext uri="{FF2B5EF4-FFF2-40B4-BE49-F238E27FC236}">
+                      <a16:creationId xmlns:a16="http://schemas.microsoft.com/office/drawing/2014/main" id="{85AD2A2C-1F33-570E-E850-6D6FD42CD81D}"/>
+                    </a:ext>
+                  </a:extLst>
+                </p:cNvPr>
+                <p:cNvSpPr txBox="1">
+                  <a:spLocks noRot="1" noChangeAspect="1" noMove="1" noResize="1" noEditPoints="1" noAdjustHandles="1" noChangeArrowheads="1" noChangeShapeType="1" noTextEdit="1"/>
+                </p:cNvSpPr>
+                <p:nvPr/>
+              </p:nvSpPr>
+              <p:spPr>
+                <a:xfrm>
+                  <a:off x="8183536" y="2991461"/>
+                  <a:ext cx="286232" cy="246221"/>
+                </a:xfrm>
+                <a:prstGeom prst="rect">
+                  <a:avLst/>
+                </a:prstGeom>
+                <a:blipFill>
+                  <a:blip r:embed="rId9"/>
+                  <a:stretch>
+                    <a:fillRect/>
+                  </a:stretch>
+                </a:blipFill>
+              </p:spPr>
+              <p:txBody>
+                <a:bodyPr/>
+                <a:lstStyle/>
+                <a:p>
+                  <a:r>
+                    <a:rPr lang="en-US">
+                      <a:noFill/>
+                    </a:rPr>
+                    <a:t> </a:t>
+                  </a:r>
+                </a:p>
+              </p:txBody>
+            </p:sp>
+          </mc:Fallback>
+        </mc:AlternateContent>
+        <p:cxnSp>
+          <p:nvCxnSpPr>
+            <p:cNvPr id="45" name="Straight Arrow Connector 44">
+              <a:extLst>
+                <a:ext uri="{FF2B5EF4-FFF2-40B4-BE49-F238E27FC236}">
+                  <a16:creationId xmlns:a16="http://schemas.microsoft.com/office/drawing/2014/main" id="{72566EDF-2659-69C4-5E3B-E245CD3A701A}"/>
+                </a:ext>
+              </a:extLst>
+            </p:cNvPr>
+            <p:cNvCxnSpPr>
+              <a:cxnSpLocks/>
+            </p:cNvCxnSpPr>
+            <p:nvPr/>
+          </p:nvCxnSpPr>
+          <p:spPr>
+            <a:xfrm flipH="1">
+              <a:off x="6874686" y="3386323"/>
+              <a:ext cx="274725" cy="274614"/>
+            </a:xfrm>
+            <a:prstGeom prst="straightConnector1">
+              <a:avLst/>
+            </a:prstGeom>
+            <a:ln w="12700">
+              <a:tailEnd type="triangle" w="sm" len="med"/>
+            </a:ln>
+          </p:spPr>
+          <p:style>
+            <a:lnRef idx="2">
+              <a:schemeClr val="accent1"/>
+            </a:lnRef>
+            <a:fillRef idx="0">
+              <a:schemeClr val="accent1"/>
+            </a:fillRef>
+            <a:effectRef idx="1">
+              <a:schemeClr val="accent1"/>
+            </a:effectRef>
+            <a:fontRef idx="minor">
+              <a:schemeClr val="tx1"/>
+            </a:fontRef>
+          </p:style>
+        </p:cxnSp>
+        <p:cxnSp>
+          <p:nvCxnSpPr>
+            <p:cNvPr id="47" name="Straight Connector 46">
+              <a:extLst>
+                <a:ext uri="{FF2B5EF4-FFF2-40B4-BE49-F238E27FC236}">
+                  <a16:creationId xmlns:a16="http://schemas.microsoft.com/office/drawing/2014/main" id="{F31F9D30-27FA-1E0B-63A8-5419C196F902}"/>
+                </a:ext>
+              </a:extLst>
+            </p:cNvPr>
+            <p:cNvCxnSpPr>
+              <a:cxnSpLocks/>
+            </p:cNvCxnSpPr>
+            <p:nvPr/>
+          </p:nvCxnSpPr>
+          <p:spPr>
+            <a:xfrm flipH="1">
+              <a:off x="7472877" y="2776496"/>
+              <a:ext cx="298084" cy="289858"/>
+            </a:xfrm>
+            <a:prstGeom prst="line">
+              <a:avLst/>
+            </a:prstGeom>
+            <a:ln w="9525">
+              <a:prstDash val="sysDash"/>
+              <a:headEnd type="triangle" w="sm" len="med"/>
+            </a:ln>
+          </p:spPr>
+          <p:style>
+            <a:lnRef idx="2">
+              <a:schemeClr val="accent1"/>
+            </a:lnRef>
+            <a:fillRef idx="0">
+              <a:schemeClr val="accent1"/>
+            </a:fillRef>
+            <a:effectRef idx="1">
+              <a:schemeClr val="accent1"/>
+            </a:effectRef>
+            <a:fontRef idx="minor">
+              <a:schemeClr val="tx1"/>
+            </a:fontRef>
+          </p:style>
+        </p:cxnSp>
+        <mc:AlternateContent xmlns:mc="http://schemas.openxmlformats.org/markup-compatibility/2006">
+          <mc:Choice xmlns:a14="http://schemas.microsoft.com/office/drawing/2010/main" Requires="a14">
+            <p:sp>
+              <p:nvSpPr>
+                <p:cNvPr id="50" name="TextBox 49">
+                  <a:extLst>
+                    <a:ext uri="{FF2B5EF4-FFF2-40B4-BE49-F238E27FC236}">
+                      <a16:creationId xmlns:a16="http://schemas.microsoft.com/office/drawing/2014/main" id="{8719A076-21D5-A39A-2F56-83686FB69E66}"/>
+                    </a:ext>
+                  </a:extLst>
+                </p:cNvPr>
+                <p:cNvSpPr txBox="1"/>
+                <p:nvPr/>
+              </p:nvSpPr>
+              <p:spPr>
+                <a:xfrm>
+                  <a:off x="7740409" y="2696455"/>
+                  <a:ext cx="286232" cy="246221"/>
+                </a:xfrm>
+                <a:prstGeom prst="rect">
+                  <a:avLst/>
+                </a:prstGeom>
+                <a:noFill/>
+              </p:spPr>
+              <p:txBody>
+                <a:bodyPr wrap="none" rtlCol="0">
+                  <a:spAutoFit/>
+                </a:bodyPr>
+                <a:lstStyle/>
+                <a:p>
+                  <a14:m>
+                    <m:oMathPara xmlns:m="http://schemas.openxmlformats.org/officeDocument/2006/math">
+                      <m:oMathParaPr>
+                        <m:jc m:val="centerGroup"/>
+                      </m:oMathParaPr>
+                      <m:oMath xmlns:m="http://schemas.openxmlformats.org/officeDocument/2006/math">
+                        <m:acc>
+                          <m:accPr>
+                            <m:chr m:val="⃗"/>
+                            <m:ctrlPr>
+                              <a:rPr lang="en-US" sz="1000" b="0" i="1" dirty="0" smtClean="0">
+                                <a:latin typeface="Cambria Math" panose="02040503050406030204" pitchFamily="18" charset="0"/>
+                              </a:rPr>
+                            </m:ctrlPr>
+                          </m:accPr>
+                          <m:e>
+                            <m:r>
+                              <a:rPr lang="en-US" sz="1000" b="0" i="1" dirty="0" smtClean="0">
+                                <a:latin typeface="Cambria Math" panose="02040503050406030204" pitchFamily="18" charset="0"/>
+                              </a:rPr>
+                              <m:t>𝑛</m:t>
+                            </m:r>
+                          </m:e>
+                        </m:acc>
+                      </m:oMath>
+                    </m:oMathPara>
+                  </a14:m>
+                  <a:endParaRPr lang="en-US" sz="1000" dirty="0"/>
+                </a:p>
+              </p:txBody>
+            </p:sp>
+          </mc:Choice>
+          <mc:Fallback>
+            <p:sp>
+              <p:nvSpPr>
+                <p:cNvPr id="50" name="TextBox 49">
+                  <a:extLst>
+                    <a:ext uri="{FF2B5EF4-FFF2-40B4-BE49-F238E27FC236}">
+                      <a16:creationId xmlns:a16="http://schemas.microsoft.com/office/drawing/2014/main" id="{8719A076-21D5-A39A-2F56-83686FB69E66}"/>
+                    </a:ext>
+                  </a:extLst>
+                </p:cNvPr>
+                <p:cNvSpPr txBox="1">
+                  <a:spLocks noRot="1" noChangeAspect="1" noMove="1" noResize="1" noEditPoints="1" noAdjustHandles="1" noChangeArrowheads="1" noChangeShapeType="1" noTextEdit="1"/>
+                </p:cNvSpPr>
+                <p:nvPr/>
+              </p:nvSpPr>
+              <p:spPr>
+                <a:xfrm>
+                  <a:off x="7740409" y="2696455"/>
+                  <a:ext cx="286232" cy="246221"/>
+                </a:xfrm>
+                <a:prstGeom prst="rect">
+                  <a:avLst/>
+                </a:prstGeom>
+                <a:blipFill>
+                  <a:blip r:embed="rId10"/>
+                  <a:stretch>
+                    <a:fillRect/>
+                  </a:stretch>
+                </a:blipFill>
+              </p:spPr>
+              <p:txBody>
+                <a:bodyPr/>
+                <a:lstStyle/>
+                <a:p>
+                  <a:r>
+                    <a:rPr lang="en-US">
+                      <a:noFill/>
+                    </a:rPr>
+                    <a:t> </a:t>
+                  </a:r>
+                </a:p>
+              </p:txBody>
+            </p:sp>
+          </mc:Fallback>
+        </mc:AlternateContent>
+        <mc:AlternateContent xmlns:mc="http://schemas.openxmlformats.org/markup-compatibility/2006">
+          <mc:Choice xmlns:a14="http://schemas.microsoft.com/office/drawing/2010/main" Requires="a14">
+            <p:sp>
+              <p:nvSpPr>
+                <p:cNvPr id="51" name="TextBox 50">
+                  <a:extLst>
+                    <a:ext uri="{FF2B5EF4-FFF2-40B4-BE49-F238E27FC236}">
+                      <a16:creationId xmlns:a16="http://schemas.microsoft.com/office/drawing/2014/main" id="{28662E17-1795-29D5-1EC7-F4FDCD9C4AB0}"/>
+                    </a:ext>
+                  </a:extLst>
+                </p:cNvPr>
+                <p:cNvSpPr txBox="1"/>
+                <p:nvPr/>
+              </p:nvSpPr>
+              <p:spPr>
+                <a:xfrm>
+                  <a:off x="6733181" y="3643715"/>
+                  <a:ext cx="286232" cy="246221"/>
+                </a:xfrm>
+                <a:prstGeom prst="rect">
+                  <a:avLst/>
+                </a:prstGeom>
+                <a:noFill/>
+              </p:spPr>
+              <p:txBody>
+                <a:bodyPr wrap="none" rtlCol="0">
+                  <a:spAutoFit/>
+                </a:bodyPr>
+                <a:lstStyle/>
+                <a:p>
+                  <a14:m>
+                    <m:oMathPara xmlns:m="http://schemas.openxmlformats.org/officeDocument/2006/math">
+                      <m:oMathParaPr>
+                        <m:jc m:val="centerGroup"/>
+                      </m:oMathParaPr>
+                      <m:oMath xmlns:m="http://schemas.openxmlformats.org/officeDocument/2006/math">
+                        <m:acc>
+                          <m:accPr>
+                            <m:chr m:val="⃗"/>
+                            <m:ctrlPr>
+                              <a:rPr lang="en-US" sz="1000" b="0" i="1" dirty="0" smtClean="0">
+                                <a:latin typeface="Cambria Math" panose="02040503050406030204" pitchFamily="18" charset="0"/>
+                              </a:rPr>
+                            </m:ctrlPr>
+                          </m:accPr>
+                          <m:e>
+                            <m:r>
+                              <a:rPr lang="en-US" sz="1000" b="0" i="1" dirty="0" smtClean="0">
+                                <a:latin typeface="Cambria Math" panose="02040503050406030204" pitchFamily="18" charset="0"/>
+                              </a:rPr>
+                              <m:t>𝑛</m:t>
+                            </m:r>
+                          </m:e>
+                        </m:acc>
+                      </m:oMath>
+                    </m:oMathPara>
+                  </a14:m>
+                  <a:endParaRPr lang="en-US" sz="1000" dirty="0"/>
+                </a:p>
+              </p:txBody>
+            </p:sp>
+          </mc:Choice>
+          <mc:Fallback>
+            <p:sp>
+              <p:nvSpPr>
+                <p:cNvPr id="51" name="TextBox 50">
+                  <a:extLst>
+                    <a:ext uri="{FF2B5EF4-FFF2-40B4-BE49-F238E27FC236}">
+                      <a16:creationId xmlns:a16="http://schemas.microsoft.com/office/drawing/2014/main" id="{28662E17-1795-29D5-1EC7-F4FDCD9C4AB0}"/>
+                    </a:ext>
+                  </a:extLst>
+                </p:cNvPr>
+                <p:cNvSpPr txBox="1">
+                  <a:spLocks noRot="1" noChangeAspect="1" noMove="1" noResize="1" noEditPoints="1" noAdjustHandles="1" noChangeArrowheads="1" noChangeShapeType="1" noTextEdit="1"/>
+                </p:cNvSpPr>
+                <p:nvPr/>
+              </p:nvSpPr>
+              <p:spPr>
+                <a:xfrm>
+                  <a:off x="6733181" y="3643715"/>
+                  <a:ext cx="286232" cy="246221"/>
+                </a:xfrm>
+                <a:prstGeom prst="rect">
+                  <a:avLst/>
+                </a:prstGeom>
+                <a:blipFill>
+                  <a:blip r:embed="rId11"/>
+                  <a:stretch>
+                    <a:fillRect/>
+                  </a:stretch>
+                </a:blipFill>
+              </p:spPr>
+              <p:txBody>
+                <a:bodyPr/>
+                <a:lstStyle/>
+                <a:p>
+                  <a:r>
+                    <a:rPr lang="en-US">
+                      <a:noFill/>
+                    </a:rPr>
+                    <a:t> </a:t>
+                  </a:r>
+                </a:p>
+              </p:txBody>
+            </p:sp>
+          </mc:Fallback>
+        </mc:AlternateContent>
+      </p:grpSp>
     </p:spTree>
     <p:extLst>
       <p:ext uri="{BB962C8B-B14F-4D97-AF65-F5344CB8AC3E}">
